--- a/2. Comparing Graphs.pptx
+++ b/2. Comparing Graphs.pptx
@@ -129,6 +129,36 @@
     </a:lvl9pPr>
   </p:defaultTextStyle>
   <p:extLst>
+    <p:ext uri="{521415D9-36F7-43E2-AB2F-B90AF26B5E84}">
+      <p14:sectionLst xmlns:p14="http://schemas.microsoft.com/office/powerpoint/2010/main">
+        <p14:section name="Untitled Section" id="{C777B9C0-50B4-4E9E-BB75-B2132D199ACE}">
+          <p14:sldIdLst>
+            <p14:sldId id="257"/>
+            <p14:sldId id="285"/>
+            <p14:sldId id="301"/>
+            <p14:sldId id="302"/>
+            <p14:sldId id="303"/>
+            <p14:sldId id="304"/>
+            <p14:sldId id="306"/>
+            <p14:sldId id="305"/>
+            <p14:sldId id="310"/>
+            <p14:sldId id="289"/>
+            <p14:sldId id="308"/>
+            <p14:sldId id="309"/>
+            <p14:sldId id="307"/>
+            <p14:sldId id="311"/>
+            <p14:sldId id="312"/>
+            <p14:sldId id="313"/>
+            <p14:sldId id="314"/>
+            <p14:sldId id="316"/>
+            <p14:sldId id="317"/>
+            <p14:sldId id="318"/>
+            <p14:sldId id="299"/>
+            <p14:sldId id="300"/>
+          </p14:sldIdLst>
+        </p14:section>
+      </p14:sectionLst>
+    </p:ext>
     <p:ext uri="{EFAFB233-063F-42B5-8137-9DF3F51BA10A}">
       <p15:sldGuideLst xmlns:p15="http://schemas.microsoft.com/office/powerpoint/2012/main"/>
     </p:ext>
@@ -2601,6 +2631,123 @@
           <a:bodyPr/>
           <a:lstStyle/>
           <a:p>
+            <a:r>
+              <a:rPr lang="en-US" dirty="0"/>
+              <a:t>Procedure: start with a ring of </a:t>
+            </a:r>
+            <a:r>
+              <a:rPr lang="en-US" i="1" dirty="0"/>
+              <a:t>n</a:t>
+            </a:r>
+            <a:r>
+              <a:rPr lang="en-US" dirty="0"/>
+              <a:t> vertices, each connected to its </a:t>
+            </a:r>
+            <a:r>
+              <a:rPr lang="en-US" i="1" dirty="0"/>
+              <a:t>k</a:t>
+            </a:r>
+            <a:r>
+              <a:rPr lang="en-US" dirty="0"/>
+              <a:t> nearest neighbors by undirected edges.</a:t>
+            </a:r>
+          </a:p>
+          <a:p>
+            <a:r>
+              <a:rPr lang="en-US" dirty="0"/>
+              <a:t>We choose a node and the edge that connects it to its nearest neighbor in a clockwise sense. With probability </a:t>
+            </a:r>
+            <a:r>
+              <a:rPr lang="en-US" i="1" dirty="0"/>
+              <a:t>p</a:t>
+            </a:r>
+            <a:r>
+              <a:rPr lang="en-US" dirty="0"/>
+              <a:t>, we reconnect this edge to a vertex chosen uniformly at random over the entire ring.</a:t>
+            </a:r>
+          </a:p>
+        </p:txBody>
+      </p:sp>
+      <p:sp>
+        <p:nvSpPr>
+          <p:cNvPr id="4" name="Slide Number Placeholder 3"/>
+          <p:cNvSpPr>
+            <a:spLocks noGrp="1"/>
+          </p:cNvSpPr>
+          <p:nvPr>
+            <p:ph type="sldNum" sz="quarter" idx="5"/>
+          </p:nvPr>
+        </p:nvSpPr>
+        <p:spPr/>
+        <p:txBody>
+          <a:bodyPr/>
+          <a:lstStyle/>
+          <a:p>
+            <a:fld id="{9271DED1-4C91-4561-A99B-E6676363E223}" type="slidenum">
+              <a:rPr lang="en-US" smtClean="0"/>
+              <a:t>19</a:t>
+            </a:fld>
+            <a:endParaRPr lang="en-US"/>
+          </a:p>
+        </p:txBody>
+      </p:sp>
+    </p:spTree>
+    <p:extLst>
+      <p:ext uri="{BB962C8B-B14F-4D97-AF65-F5344CB8AC3E}">
+        <p14:creationId xmlns:p14="http://schemas.microsoft.com/office/powerpoint/2010/main" val="2104465886"/>
+      </p:ext>
+    </p:extLst>
+  </p:cSld>
+  <p:clrMapOvr>
+    <a:masterClrMapping/>
+  </p:clrMapOvr>
+</p:notes>
+</file>
+
+<file path=ppt/notesSlides/notesSlide11.xml><?xml version="1.0" encoding="utf-8"?>
+<p:notes xmlns:a="http://schemas.openxmlformats.org/drawingml/2006/main" xmlns:r="http://schemas.openxmlformats.org/officeDocument/2006/relationships" xmlns:p="http://schemas.openxmlformats.org/presentationml/2006/main">
+  <p:cSld>
+    <p:spTree>
+      <p:nvGrpSpPr>
+        <p:cNvPr id="1" name=""/>
+        <p:cNvGrpSpPr/>
+        <p:nvPr/>
+      </p:nvGrpSpPr>
+      <p:grpSpPr>
+        <a:xfrm>
+          <a:off x="0" y="0"/>
+          <a:ext cx="0" cy="0"/>
+          <a:chOff x="0" y="0"/>
+          <a:chExt cx="0" cy="0"/>
+        </a:xfrm>
+      </p:grpSpPr>
+      <p:sp>
+        <p:nvSpPr>
+          <p:cNvPr id="2" name="Slide Image Placeholder 1"/>
+          <p:cNvSpPr>
+            <a:spLocks noGrp="1" noRot="1" noChangeAspect="1"/>
+          </p:cNvSpPr>
+          <p:nvPr>
+            <p:ph type="sldImg"/>
+          </p:nvPr>
+        </p:nvSpPr>
+        <p:spPr/>
+      </p:sp>
+      <p:sp>
+        <p:nvSpPr>
+          <p:cNvPr id="3" name="Notes Placeholder 2"/>
+          <p:cNvSpPr>
+            <a:spLocks noGrp="1"/>
+          </p:cNvSpPr>
+          <p:nvPr>
+            <p:ph type="body" idx="1"/>
+          </p:nvPr>
+        </p:nvSpPr>
+        <p:spPr/>
+        <p:txBody>
+          <a:bodyPr/>
+          <a:lstStyle/>
+          <a:p>
             <a:endParaRPr lang="en-US" dirty="0"/>
           </a:p>
         </p:txBody>
@@ -2780,7 +2927,6 @@
           <a:bodyPr/>
           <a:lstStyle/>
           <a:p>
-            <a:pPr marR="0" lvl="1" algn="l"/>
             <a:endParaRPr lang="en-US" dirty="0"/>
           </a:p>
         </p:txBody>
@@ -2802,7 +2948,7 @@
           <a:p>
             <a:fld id="{9271DED1-4C91-4561-A99B-E6676363E223}" type="slidenum">
               <a:rPr lang="en-US" smtClean="0"/>
-              <a:t>7</a:t>
+              <a:t>6</a:t>
             </a:fld>
             <a:endParaRPr lang="en-US"/>
           </a:p>
@@ -2811,7 +2957,7 @@
     </p:spTree>
     <p:extLst>
       <p:ext uri="{BB962C8B-B14F-4D97-AF65-F5344CB8AC3E}">
-        <p14:creationId xmlns:p14="http://schemas.microsoft.com/office/powerpoint/2010/main" val="976441721"/>
+        <p14:creationId xmlns:p14="http://schemas.microsoft.com/office/powerpoint/2010/main" val="2863936865"/>
       </p:ext>
     </p:extLst>
   </p:cSld>
@@ -2865,6 +3011,7 @@
           <a:bodyPr/>
           <a:lstStyle/>
           <a:p>
+            <a:pPr marR="0" lvl="1" algn="l"/>
             <a:endParaRPr lang="en-US" dirty="0"/>
           </a:p>
         </p:txBody>
@@ -2886,7 +3033,7 @@
           <a:p>
             <a:fld id="{9271DED1-4C91-4561-A99B-E6676363E223}" type="slidenum">
               <a:rPr lang="en-US" smtClean="0"/>
-              <a:t>10</a:t>
+              <a:t>7</a:t>
             </a:fld>
             <a:endParaRPr lang="en-US"/>
           </a:p>
@@ -2895,7 +3042,7 @@
     </p:spTree>
     <p:extLst>
       <p:ext uri="{BB962C8B-B14F-4D97-AF65-F5344CB8AC3E}">
-        <p14:creationId xmlns:p14="http://schemas.microsoft.com/office/powerpoint/2010/main" val="2480089020"/>
+        <p14:creationId xmlns:p14="http://schemas.microsoft.com/office/powerpoint/2010/main" val="976441721"/>
       </p:ext>
     </p:extLst>
   </p:cSld>
@@ -2970,7 +3117,7 @@
           <a:p>
             <a:fld id="{9271DED1-4C91-4561-A99B-E6676363E223}" type="slidenum">
               <a:rPr lang="en-US" smtClean="0"/>
-              <a:t>13</a:t>
+              <a:t>10</a:t>
             </a:fld>
             <a:endParaRPr lang="en-US"/>
           </a:p>
@@ -2979,7 +3126,7 @@
     </p:spTree>
     <p:extLst>
       <p:ext uri="{BB962C8B-B14F-4D97-AF65-F5344CB8AC3E}">
-        <p14:creationId xmlns:p14="http://schemas.microsoft.com/office/powerpoint/2010/main" val="4054044770"/>
+        <p14:creationId xmlns:p14="http://schemas.microsoft.com/office/powerpoint/2010/main" val="2480089020"/>
       </p:ext>
     </p:extLst>
   </p:cSld>
@@ -3033,118 +3180,6 @@
           <a:bodyPr/>
           <a:lstStyle/>
           <a:p>
-            <a:pPr marL="0" marR="0" lvl="0" indent="0" algn="l" defTabSz="914400" rtl="0" eaLnBrk="1" fontAlgn="auto" latinLnBrk="0" hangingPunct="1">
-              <a:lnSpc>
-                <a:spcPct val="100000"/>
-              </a:lnSpc>
-              <a:spcBef>
-                <a:spcPts val="0"/>
-              </a:spcBef>
-              <a:spcAft>
-                <a:spcPts val="0"/>
-              </a:spcAft>
-              <a:buClrTx/>
-              <a:buSzTx/>
-              <a:buFontTx/>
-              <a:buNone/>
-              <a:tabLst/>
-              <a:defRPr/>
-            </a:pPr>
-            <a:r>
-              <a:rPr lang="en-US" b="0" i="0" dirty="0">
-                <a:solidFill>
-                  <a:srgbClr val="202122"/>
-                </a:solidFill>
-                <a:effectLst/>
-                <a:latin typeface="Arial" panose="020B0604020202020204" pitchFamily="34" charset="0"/>
-              </a:rPr>
-              <a:t> Poisson Distribution = probability of a given number of events occurring in a fixed interval of time or space if these events occur with a known constant mean rate and </a:t>
-            </a:r>
-            <a:r>
-              <a:rPr lang="en-US" b="0" i="0" u="none" strike="noStrike" dirty="0">
-                <a:solidFill>
-                  <a:srgbClr val="0B0080"/>
-                </a:solidFill>
-                <a:effectLst/>
-                <a:latin typeface="Arial" panose="020B0604020202020204" pitchFamily="34" charset="0"/>
-                <a:hlinkClick r:id="rId3" tooltip="Statistical independence"/>
-              </a:rPr>
-              <a:t>independently</a:t>
-            </a:r>
-            <a:r>
-              <a:rPr lang="en-US" b="0" i="0" dirty="0">
-                <a:solidFill>
-                  <a:srgbClr val="202122"/>
-                </a:solidFill>
-                <a:effectLst/>
-                <a:latin typeface="Arial" panose="020B0604020202020204" pitchFamily="34" charset="0"/>
-              </a:rPr>
-              <a:t> of the time since the last event </a:t>
-            </a:r>
-          </a:p>
-          <a:p>
-            <a:pPr marL="0" marR="0" lvl="0" indent="0" algn="l" defTabSz="914400" rtl="0" eaLnBrk="1" fontAlgn="auto" latinLnBrk="0" hangingPunct="1">
-              <a:lnSpc>
-                <a:spcPct val="100000"/>
-              </a:lnSpc>
-              <a:spcBef>
-                <a:spcPts val="0"/>
-              </a:spcBef>
-              <a:spcAft>
-                <a:spcPts val="0"/>
-              </a:spcAft>
-              <a:buClrTx/>
-              <a:buSzTx/>
-              <a:buFontTx/>
-              <a:buNone/>
-              <a:tabLst/>
-              <a:defRPr/>
-            </a:pPr>
-            <a:endParaRPr lang="en-US" b="0" i="0" dirty="0">
-              <a:solidFill>
-                <a:srgbClr val="202122"/>
-              </a:solidFill>
-              <a:effectLst/>
-              <a:latin typeface="Arial" panose="020B0604020202020204" pitchFamily="34" charset="0"/>
-            </a:endParaRPr>
-          </a:p>
-          <a:p>
-            <a:endParaRPr lang="en-US" b="0" i="0" dirty="0">
-              <a:solidFill>
-                <a:srgbClr val="202122"/>
-              </a:solidFill>
-              <a:effectLst/>
-              <a:latin typeface="Arial" panose="020B0604020202020204" pitchFamily="34" charset="0"/>
-            </a:endParaRPr>
-          </a:p>
-          <a:p>
-            <a:endParaRPr lang="en-US" b="0" i="0" dirty="0">
-              <a:solidFill>
-                <a:srgbClr val="202122"/>
-              </a:solidFill>
-              <a:effectLst/>
-              <a:latin typeface="Arial" panose="020B0604020202020204" pitchFamily="34" charset="0"/>
-            </a:endParaRPr>
-          </a:p>
-          <a:p>
-            <a:endParaRPr lang="en-US" b="0" i="0" dirty="0">
-              <a:solidFill>
-                <a:srgbClr val="202122"/>
-              </a:solidFill>
-              <a:effectLst/>
-              <a:latin typeface="Arial" panose="020B0604020202020204" pitchFamily="34" charset="0"/>
-            </a:endParaRPr>
-          </a:p>
-          <a:p>
-            <a:endParaRPr lang="en-US" b="0" i="0" dirty="0">
-              <a:solidFill>
-                <a:srgbClr val="202122"/>
-              </a:solidFill>
-              <a:effectLst/>
-              <a:latin typeface="Arial" panose="020B0604020202020204" pitchFamily="34" charset="0"/>
-            </a:endParaRPr>
-          </a:p>
-          <a:p>
             <a:endParaRPr lang="en-US" dirty="0"/>
           </a:p>
         </p:txBody>
@@ -3166,7 +3201,7 @@
           <a:p>
             <a:fld id="{9271DED1-4C91-4561-A99B-E6676363E223}" type="slidenum">
               <a:rPr lang="en-US" smtClean="0"/>
-              <a:t>14</a:t>
+              <a:t>13</a:t>
             </a:fld>
             <a:endParaRPr lang="en-US"/>
           </a:p>
@@ -3175,7 +3210,7 @@
     </p:spTree>
     <p:extLst>
       <p:ext uri="{BB962C8B-B14F-4D97-AF65-F5344CB8AC3E}">
-        <p14:creationId xmlns:p14="http://schemas.microsoft.com/office/powerpoint/2010/main" val="2500482784"/>
+        <p14:creationId xmlns:p14="http://schemas.microsoft.com/office/powerpoint/2010/main" val="4054044770"/>
       </p:ext>
     </p:extLst>
   </p:cSld>
@@ -3229,10 +3264,119 @@
           <a:bodyPr/>
           <a:lstStyle/>
           <a:p>
-            <a:r>
-              <a:rPr lang="en-US" dirty="0"/>
-              <a:t>To derive this formula see</a:t>
-            </a:r>
+            <a:pPr marL="0" marR="0" lvl="0" indent="0" algn="l" defTabSz="914400" rtl="0" eaLnBrk="1" fontAlgn="auto" latinLnBrk="0" hangingPunct="1">
+              <a:lnSpc>
+                <a:spcPct val="100000"/>
+              </a:lnSpc>
+              <a:spcBef>
+                <a:spcPts val="0"/>
+              </a:spcBef>
+              <a:spcAft>
+                <a:spcPts val="0"/>
+              </a:spcAft>
+              <a:buClrTx/>
+              <a:buSzTx/>
+              <a:buFontTx/>
+              <a:buNone/>
+              <a:tabLst/>
+              <a:defRPr/>
+            </a:pPr>
+            <a:r>
+              <a:rPr lang="en-US" b="0" i="0" dirty="0">
+                <a:solidFill>
+                  <a:srgbClr val="202122"/>
+                </a:solidFill>
+                <a:effectLst/>
+                <a:latin typeface="Arial" panose="020B0604020202020204" pitchFamily="34" charset="0"/>
+              </a:rPr>
+              <a:t> Poisson Distribution = probability of a given number of events occurring in a fixed interval of time or space if these events occur with a known constant mean rate and </a:t>
+            </a:r>
+            <a:r>
+              <a:rPr lang="en-US" b="0" i="0" u="none" strike="noStrike" dirty="0">
+                <a:solidFill>
+                  <a:srgbClr val="0B0080"/>
+                </a:solidFill>
+                <a:effectLst/>
+                <a:latin typeface="Arial" panose="020B0604020202020204" pitchFamily="34" charset="0"/>
+                <a:hlinkClick r:id="rId3" tooltip="Statistical independence"/>
+              </a:rPr>
+              <a:t>independently</a:t>
+            </a:r>
+            <a:r>
+              <a:rPr lang="en-US" b="0" i="0" dirty="0">
+                <a:solidFill>
+                  <a:srgbClr val="202122"/>
+                </a:solidFill>
+                <a:effectLst/>
+                <a:latin typeface="Arial" panose="020B0604020202020204" pitchFamily="34" charset="0"/>
+              </a:rPr>
+              <a:t> of the time since the last event </a:t>
+            </a:r>
+          </a:p>
+          <a:p>
+            <a:pPr marL="0" marR="0" lvl="0" indent="0" algn="l" defTabSz="914400" rtl="0" eaLnBrk="1" fontAlgn="auto" latinLnBrk="0" hangingPunct="1">
+              <a:lnSpc>
+                <a:spcPct val="100000"/>
+              </a:lnSpc>
+              <a:spcBef>
+                <a:spcPts val="0"/>
+              </a:spcBef>
+              <a:spcAft>
+                <a:spcPts val="0"/>
+              </a:spcAft>
+              <a:buClrTx/>
+              <a:buSzTx/>
+              <a:buFontTx/>
+              <a:buNone/>
+              <a:tabLst/>
+              <a:defRPr/>
+            </a:pPr>
+            <a:endParaRPr lang="en-US" b="0" i="0" dirty="0">
+              <a:solidFill>
+                <a:srgbClr val="202122"/>
+              </a:solidFill>
+              <a:effectLst/>
+              <a:latin typeface="Arial" panose="020B0604020202020204" pitchFamily="34" charset="0"/>
+            </a:endParaRPr>
+          </a:p>
+          <a:p>
+            <a:endParaRPr lang="en-US" b="0" i="0" dirty="0">
+              <a:solidFill>
+                <a:srgbClr val="202122"/>
+              </a:solidFill>
+              <a:effectLst/>
+              <a:latin typeface="Arial" panose="020B0604020202020204" pitchFamily="34" charset="0"/>
+            </a:endParaRPr>
+          </a:p>
+          <a:p>
+            <a:endParaRPr lang="en-US" b="0" i="0" dirty="0">
+              <a:solidFill>
+                <a:srgbClr val="202122"/>
+              </a:solidFill>
+              <a:effectLst/>
+              <a:latin typeface="Arial" panose="020B0604020202020204" pitchFamily="34" charset="0"/>
+            </a:endParaRPr>
+          </a:p>
+          <a:p>
+            <a:endParaRPr lang="en-US" b="0" i="0" dirty="0">
+              <a:solidFill>
+                <a:srgbClr val="202122"/>
+              </a:solidFill>
+              <a:effectLst/>
+              <a:latin typeface="Arial" panose="020B0604020202020204" pitchFamily="34" charset="0"/>
+            </a:endParaRPr>
+          </a:p>
+          <a:p>
+            <a:endParaRPr lang="en-US" b="0" i="0" dirty="0">
+              <a:solidFill>
+                <a:srgbClr val="202122"/>
+              </a:solidFill>
+              <a:effectLst/>
+              <a:latin typeface="Arial" panose="020B0604020202020204" pitchFamily="34" charset="0"/>
+            </a:endParaRPr>
+          </a:p>
+          <a:p>
+            <a:endParaRPr lang="en-US" dirty="0"/>
           </a:p>
         </p:txBody>
       </p:sp>
@@ -3253,7 +3397,7 @@
           <a:p>
             <a:fld id="{9271DED1-4C91-4561-A99B-E6676363E223}" type="slidenum">
               <a:rPr lang="en-US" smtClean="0"/>
-              <a:t>15</a:t>
+              <a:t>14</a:t>
             </a:fld>
             <a:endParaRPr lang="en-US"/>
           </a:p>
@@ -3262,7 +3406,7 @@
     </p:spTree>
     <p:extLst>
       <p:ext uri="{BB962C8B-B14F-4D97-AF65-F5344CB8AC3E}">
-        <p14:creationId xmlns:p14="http://schemas.microsoft.com/office/powerpoint/2010/main" val="3319224209"/>
+        <p14:creationId xmlns:p14="http://schemas.microsoft.com/office/powerpoint/2010/main" val="2500482784"/>
       </p:ext>
     </p:extLst>
   </p:cSld>
@@ -3316,44 +3460,10 @@
           <a:bodyPr/>
           <a:lstStyle/>
           <a:p>
-            <a:pPr marL="0" marR="0" lvl="0" indent="0" algn="l" defTabSz="914400" rtl="0" eaLnBrk="1" fontAlgn="auto" latinLnBrk="0" hangingPunct="1">
-              <a:lnSpc>
-                <a:spcPct val="100000"/>
-              </a:lnSpc>
-              <a:spcBef>
-                <a:spcPts val="0"/>
-              </a:spcBef>
-              <a:spcAft>
-                <a:spcPts val="0"/>
-              </a:spcAft>
-              <a:buClrTx/>
-              <a:buSzTx/>
-              <a:buFontTx/>
-              <a:buNone/>
-              <a:tabLst/>
-              <a:defRPr/>
-            </a:pPr>
-            <a:r>
-              <a:rPr lang="en-US" b="0" i="0" dirty="0">
-                <a:solidFill>
-                  <a:srgbClr val="202122"/>
-                </a:solidFill>
-                <a:effectLst/>
-                <a:latin typeface="Arial" panose="020B0604020202020204" pitchFamily="34" charset="0"/>
-              </a:rPr>
-              <a:t> </a:t>
-            </a:r>
-            <a:r>
-              <a:rPr lang="en-US" sz="1200" b="0" i="0" dirty="0">
-                <a:solidFill>
-                  <a:srgbClr val="222222"/>
-                </a:solidFill>
-                <a:effectLst/>
-                <a:latin typeface="Arial" panose="020B0604020202020204" pitchFamily="34" charset="0"/>
-              </a:rPr>
-              <a:t>[Leskovec 2019] http://web.stanford.edu/class/cs224w/slides/02-gnp-smallworld.pdf</a:t>
-            </a:r>
-            <a:endParaRPr lang="en-US" dirty="0"/>
+            <a:r>
+              <a:rPr lang="en-US" dirty="0"/>
+              <a:t>To derive this formula see</a:t>
+            </a:r>
           </a:p>
         </p:txBody>
       </p:sp>
@@ -3374,7 +3484,7 @@
           <a:p>
             <a:fld id="{9271DED1-4C91-4561-A99B-E6676363E223}" type="slidenum">
               <a:rPr lang="en-US" smtClean="0"/>
-              <a:t>16</a:t>
+              <a:t>15</a:t>
             </a:fld>
             <a:endParaRPr lang="en-US"/>
           </a:p>
@@ -3383,7 +3493,7 @@
     </p:spTree>
     <p:extLst>
       <p:ext uri="{BB962C8B-B14F-4D97-AF65-F5344CB8AC3E}">
-        <p14:creationId xmlns:p14="http://schemas.microsoft.com/office/powerpoint/2010/main" val="498687211"/>
+        <p14:creationId xmlns:p14="http://schemas.microsoft.com/office/powerpoint/2010/main" val="3319224209"/>
       </p:ext>
     </p:extLst>
   </p:cSld>
@@ -3437,40 +3547,44 @@
           <a:bodyPr/>
           <a:lstStyle/>
           <a:p>
-            <a:r>
-              <a:rPr lang="en-US" dirty="0"/>
-              <a:t>Procedure: start with a ring of </a:t>
-            </a:r>
-            <a:r>
-              <a:rPr lang="en-US" i="1" dirty="0"/>
-              <a:t>n</a:t>
-            </a:r>
-            <a:r>
-              <a:rPr lang="en-US" dirty="0"/>
-              <a:t> vertices, each connected to its </a:t>
-            </a:r>
-            <a:r>
-              <a:rPr lang="en-US" i="1" dirty="0"/>
-              <a:t>k</a:t>
-            </a:r>
-            <a:r>
-              <a:rPr lang="en-US" dirty="0"/>
-              <a:t> nearest neighbors by undirected edges.</a:t>
-            </a:r>
-          </a:p>
-          <a:p>
-            <a:r>
-              <a:rPr lang="en-US" dirty="0"/>
-              <a:t>We choose a node and the edge that connects it to its nearest neighbor in a clockwise sense. With probability </a:t>
-            </a:r>
-            <a:r>
-              <a:rPr lang="en-US" i="1" dirty="0"/>
-              <a:t>p</a:t>
-            </a:r>
-            <a:r>
-              <a:rPr lang="en-US" dirty="0"/>
-              <a:t>, we reconnect this edge to a vertex chosen uniformly at random over the entire ring.</a:t>
-            </a:r>
+            <a:pPr marL="0" marR="0" lvl="0" indent="0" algn="l" defTabSz="914400" rtl="0" eaLnBrk="1" fontAlgn="auto" latinLnBrk="0" hangingPunct="1">
+              <a:lnSpc>
+                <a:spcPct val="100000"/>
+              </a:lnSpc>
+              <a:spcBef>
+                <a:spcPts val="0"/>
+              </a:spcBef>
+              <a:spcAft>
+                <a:spcPts val="0"/>
+              </a:spcAft>
+              <a:buClrTx/>
+              <a:buSzTx/>
+              <a:buFontTx/>
+              <a:buNone/>
+              <a:tabLst/>
+              <a:defRPr/>
+            </a:pPr>
+            <a:r>
+              <a:rPr lang="en-US" b="0" i="0" dirty="0">
+                <a:solidFill>
+                  <a:srgbClr val="202122"/>
+                </a:solidFill>
+                <a:effectLst/>
+                <a:latin typeface="Arial" panose="020B0604020202020204" pitchFamily="34" charset="0"/>
+              </a:rPr>
+              <a:t> </a:t>
+            </a:r>
+            <a:r>
+              <a:rPr lang="en-US" sz="1200" b="0" i="0" dirty="0">
+                <a:solidFill>
+                  <a:srgbClr val="222222"/>
+                </a:solidFill>
+                <a:effectLst/>
+                <a:latin typeface="Arial" panose="020B0604020202020204" pitchFamily="34" charset="0"/>
+              </a:rPr>
+              <a:t>[Leskovec 2019] http://web.stanford.edu/class/cs224w/slides/02-gnp-smallworld.pdf</a:t>
+            </a:r>
+            <a:endParaRPr lang="en-US" dirty="0"/>
           </a:p>
         </p:txBody>
       </p:sp>
@@ -3491,7 +3605,7 @@
           <a:p>
             <a:fld id="{9271DED1-4C91-4561-A99B-E6676363E223}" type="slidenum">
               <a:rPr lang="en-US" smtClean="0"/>
-              <a:t>19</a:t>
+              <a:t>16</a:t>
             </a:fld>
             <a:endParaRPr lang="en-US"/>
           </a:p>
@@ -3500,7 +3614,7 @@
     </p:spTree>
     <p:extLst>
       <p:ext uri="{BB962C8B-B14F-4D97-AF65-F5344CB8AC3E}">
-        <p14:creationId xmlns:p14="http://schemas.microsoft.com/office/powerpoint/2010/main" val="2104465886"/>
+        <p14:creationId xmlns:p14="http://schemas.microsoft.com/office/powerpoint/2010/main" val="498687211"/>
       </p:ext>
     </p:extLst>
   </p:cSld>
@@ -12241,7 +12355,7 @@
         </p:spPr>
         <p:txBody>
           <a:bodyPr>
-            <a:normAutofit/>
+            <a:normAutofit fontScale="90000"/>
           </a:bodyPr>
           <a:lstStyle/>
           <a:p>
@@ -12261,23 +12375,33 @@
               <a:t> </a:t>
             </a:r>
             <a:r>
-              <a:rPr lang="en-US" sz="5400" b="1" dirty="0"/>
-              <a:t>Lecture-2 Comparing Graphs</a:t>
+              <a:rPr lang="en-US" altLang="x-none" sz="3600" b="1" dirty="0">
+                <a:ea typeface="ＭＳ Ｐゴシック" charset="-128"/>
+              </a:rPr>
+              <a:t>Graph Neural Networks </a:t>
             </a:r>
             <a:br>
-              <a:rPr lang="en-US" sz="5400" b="1" dirty="0"/>
+              <a:rPr lang="en-US" altLang="x-none" sz="4000" b="1" dirty="0">
+                <a:ea typeface="ＭＳ Ｐゴシック" charset="-128"/>
+              </a:rPr>
+            </a:br>
+            <a:br>
+              <a:rPr lang="en-US" altLang="x-none" sz="4000" b="1" dirty="0">
+                <a:ea typeface="ＭＳ Ｐゴシック" charset="-128"/>
+              </a:rPr>
+            </a:br>
+            <a:r>
+              <a:rPr lang="en-US" sz="4400" b="1" dirty="0"/>
+              <a:t>Lecture-2: Comparing Graphs</a:t>
+            </a:r>
+            <a:br>
+              <a:rPr lang="en-US" sz="4400" b="1" dirty="0"/>
             </a:br>
             <a:br>
               <a:rPr lang="en-US" altLang="x-none" sz="4900" b="1" dirty="0">
                 <a:ea typeface="ＭＳ Ｐゴシック" charset="-128"/>
               </a:rPr>
             </a:br>
-            <a:r>
-              <a:rPr lang="en-US" altLang="x-none" sz="4900" b="1" dirty="0">
-                <a:ea typeface="ＭＳ Ｐゴシック" charset="-128"/>
-              </a:rPr>
-              <a:t>Graph Neural Networks</a:t>
-            </a:r>
             <a:endParaRPr lang="en-US" altLang="x-none" b="1" dirty="0">
               <a:ea typeface="ＭＳ Ｐゴシック" charset="-128"/>
             </a:endParaRPr>
@@ -18323,11 +18447,10 @@
                         <m:t>=</m:t>
                       </m:r>
                       <m:r>
-                        <a:rPr lang="en-US" sz="2400" b="0" i="1" smtClean="0">
-                          <a:effectLst/>
+                        <a:rPr lang="en-US" sz="2400" i="1">
                           <a:latin typeface="Cambria Math" panose="02040503050406030204" pitchFamily="18" charset="0"/>
                         </a:rPr>
-                        <m:t>𝑝𝑝</m:t>
+                        <m:t>𝑝</m:t>
                       </m:r>
                       <m:r>
                         <a:rPr lang="en-US" sz="2400" i="1">
@@ -23695,10 +23818,6 @@
                 <a:endParaRPr lang="en-US" sz="1800" dirty="0"/>
               </a:p>
               <a:p>
-                <a:pPr marL="285750" indent="-285750">
-                  <a:buFont typeface="Arial" panose="020B0604020202020204" pitchFamily="34" charset="0"/>
-                  <a:buChar char="•"/>
-                </a:pPr>
                 <a:r>
                   <a:rPr lang="en-US" sz="1800" dirty="0"/>
                   <a:t>2. Null Models</a:t>
@@ -23740,12 +23859,8 @@
                   <a:buChar char="•"/>
                 </a:pPr>
                 <a:r>
-                  <a:rPr lang="en-US" sz="1800" dirty="0" err="1"/>
-                  <a:t>Kroenecker</a:t>
-                </a:r>
-                <a:r>
                   <a:rPr lang="en-US" sz="1800" dirty="0"/>
-                  <a:t> model</a:t>
+                  <a:t>Kronecker model</a:t>
                 </a:r>
                 <a:endParaRPr lang="en-US" sz="1800" b="0" i="0" u="none" strike="noStrike" dirty="0">
                   <a:solidFill>
@@ -23805,7 +23920,7 @@
               <a:blipFill>
                 <a:blip r:embed="rId2"/>
                 <a:stretch>
-                  <a:fillRect l="-1375"/>
+                  <a:fillRect l="-1506"/>
                 </a:stretch>
               </a:blipFill>
             </p:spPr>
@@ -24210,7 +24325,7 @@
           <a:p>
             <a:r>
               <a:rPr lang="en-US" u="sng" dirty="0"/>
-              <a:t>Code do generate: </a:t>
+              <a:t>Code to generate: </a:t>
             </a:r>
             <a:r>
               <a:rPr lang="en-US" dirty="0"/>
@@ -24330,6 +24445,33 @@
                                   </p:childTnLst>
                                 </p:cTn>
                               </p:par>
+                              <p:par>
+                                <p:cTn id="11" presetID="1" presetClass="entr" presetSubtype="0" fill="hold" nodeType="withEffect">
+                                  <p:stCondLst>
+                                    <p:cond delay="0"/>
+                                  </p:stCondLst>
+                                  <p:childTnLst>
+                                    <p:set>
+                                      <p:cBhvr>
+                                        <p:cTn id="12" dur="1" fill="hold">
+                                          <p:stCondLst>
+                                            <p:cond delay="0"/>
+                                          </p:stCondLst>
+                                        </p:cTn>
+                                        <p:tgtEl>
+                                          <p:spTgt spid="10"/>
+                                        </p:tgtEl>
+                                        <p:attrNameLst>
+                                          <p:attrName>style.visibility</p:attrName>
+                                        </p:attrNameLst>
+                                      </p:cBhvr>
+                                      <p:to>
+                                        <p:strVal val="visible"/>
+                                      </p:to>
+                                    </p:set>
+                                  </p:childTnLst>
+                                </p:cTn>
+                              </p:par>
                             </p:childTnLst>
                           </p:cTn>
                         </p:par>
@@ -24337,32 +24479,77 @@
                     </p:cTn>
                   </p:par>
                   <p:par>
-                    <p:cTn id="11" fill="hold">
+                    <p:cTn id="13" fill="hold">
                       <p:stCondLst>
                         <p:cond delay="indefinite"/>
                       </p:stCondLst>
                       <p:childTnLst>
                         <p:par>
-                          <p:cTn id="12" fill="hold">
+                          <p:cTn id="14" fill="hold">
                             <p:stCondLst>
                               <p:cond delay="0"/>
                             </p:stCondLst>
                             <p:childTnLst>
                               <p:par>
-                                <p:cTn id="13" presetID="1" presetClass="entr" presetSubtype="0" fill="hold" nodeType="clickEffect">
+                                <p:cTn id="15" presetID="1" presetClass="entr" presetSubtype="0" fill="hold" nodeType="clickEffect">
                                   <p:stCondLst>
                                     <p:cond delay="0"/>
                                   </p:stCondLst>
                                   <p:childTnLst>
                                     <p:set>
                                       <p:cBhvr>
-                                        <p:cTn id="14" dur="1" fill="hold">
+                                        <p:cTn id="16" dur="1" fill="hold">
                                           <p:stCondLst>
                                             <p:cond delay="0"/>
                                           </p:stCondLst>
                                         </p:cTn>
                                         <p:tgtEl>
                                           <p:spTgt spid="14"/>
+                                        </p:tgtEl>
+                                        <p:attrNameLst>
+                                          <p:attrName>style.visibility</p:attrName>
+                                        </p:attrNameLst>
+                                      </p:cBhvr>
+                                      <p:to>
+                                        <p:strVal val="visible"/>
+                                      </p:to>
+                                    </p:set>
+                                  </p:childTnLst>
+                                </p:cTn>
+                              </p:par>
+                            </p:childTnLst>
+                          </p:cTn>
+                        </p:par>
+                      </p:childTnLst>
+                    </p:cTn>
+                  </p:par>
+                  <p:par>
+                    <p:cTn id="17" fill="hold">
+                      <p:stCondLst>
+                        <p:cond delay="indefinite"/>
+                      </p:stCondLst>
+                      <p:childTnLst>
+                        <p:par>
+                          <p:cTn id="18" fill="hold">
+                            <p:stCondLst>
+                              <p:cond delay="0"/>
+                            </p:stCondLst>
+                            <p:childTnLst>
+                              <p:par>
+                                <p:cTn id="19" presetID="1" presetClass="entr" presetSubtype="0" fill="hold" grpId="0" nodeType="clickEffect">
+                                  <p:stCondLst>
+                                    <p:cond delay="0"/>
+                                  </p:stCondLst>
+                                  <p:childTnLst>
+                                    <p:set>
+                                      <p:cBhvr>
+                                        <p:cTn id="20" dur="1" fill="hold">
+                                          <p:stCondLst>
+                                            <p:cond delay="0"/>
+                                          </p:stCondLst>
+                                        </p:cTn>
+                                        <p:tgtEl>
+                                          <p:spTgt spid="18"/>
                                         </p:tgtEl>
                                         <p:attrNameLst>
                                           <p:attrName>style.visibility</p:attrName>
@@ -24405,6 +24592,7 @@
     <p:bldLst>
       <p:bldP spid="8" grpId="0"/>
       <p:bldP spid="16" grpId="0"/>
+      <p:bldP spid="18" grpId="0"/>
     </p:bldLst>
   </p:timing>
 </p:sld>
@@ -27869,7 +28057,7 @@
                                           </p:stCondLst>
                                         </p:cTn>
                                         <p:tgtEl>
-                                          <p:spTgt spid="30"/>
+                                          <p:spTgt spid="63"/>
                                         </p:tgtEl>
                                         <p:attrNameLst>
                                           <p:attrName>style.visibility</p:attrName>
@@ -28108,12 +28296,12 @@
       </p:par>
     </p:tnLst>
     <p:bldLst>
-      <p:bldGraphic spid="30" grpId="0">
-        <p:bldAsOne/>
-      </p:bldGraphic>
       <p:bldP spid="59" grpId="0" animBg="1"/>
       <p:bldP spid="60" grpId="0" animBg="1"/>
       <p:bldP spid="61" grpId="0" animBg="1"/>
+      <p:bldGraphic spid="63" grpId="0">
+        <p:bldAsOne/>
+      </p:bldGraphic>
     </p:bldLst>
   </p:timing>
 </p:sld>
@@ -35512,7 +35700,7 @@
             </p:nvSpPr>
             <p:spPr>
               <a:blipFill>
-                <a:blip r:embed="rId2"/>
+                <a:blip r:embed="rId3"/>
                 <a:stretch>
                   <a:fillRect l="-2259" b="-35165"/>
                 </a:stretch>
@@ -35606,7 +35794,7 @@
                 <a:ext cx="11473384" cy="346249"/>
               </a:xfrm>
               <a:blipFill>
-                <a:blip r:embed="rId3"/>
+                <a:blip r:embed="rId4"/>
                 <a:stretch>
                   <a:fillRect l="-1275" t="-10526" b="-35088"/>
                 </a:stretch>
@@ -35855,7 +36043,7 @@
                         <a:rPr lang="en-US" sz="2000" b="0" i="1" smtClean="0">
                           <a:latin typeface="Cambria Math" panose="02040503050406030204" pitchFamily="18" charset="0"/>
                         </a:rPr>
-                        <m:t>3</m:t>
+                        <m:t>2</m:t>
                       </m:r>
                     </m:oMath>
                   </m:oMathPara>
@@ -35934,7 +36122,7 @@
                 <a:avLst/>
               </a:prstGeom>
               <a:blipFill>
-                <a:blip r:embed="rId4"/>
+                <a:blip r:embed="rId5"/>
                 <a:stretch>
                   <a:fillRect/>
                 </a:stretch>
